--- a/Report.pptx
+++ b/Report.pptx
@@ -261,7 +261,7 @@
           <a:p>
             <a:fld id="{96E9B245-2076-40CB-ACDE-D58775C98695}" type="datetimeFigureOut">
               <a:rPr lang="ko-KR" altLang="en-US" smtClean="0"/>
-              <a:t>2020-11-22</a:t>
+              <a:t>2020-11-27</a:t>
             </a:fld>
             <a:endParaRPr lang="ko-KR" altLang="en-US"/>
           </a:p>
@@ -459,7 +459,7 @@
           <a:p>
             <a:fld id="{96E9B245-2076-40CB-ACDE-D58775C98695}" type="datetimeFigureOut">
               <a:rPr lang="ko-KR" altLang="en-US" smtClean="0"/>
-              <a:t>2020-11-22</a:t>
+              <a:t>2020-11-27</a:t>
             </a:fld>
             <a:endParaRPr lang="ko-KR" altLang="en-US"/>
           </a:p>
@@ -667,7 +667,7 @@
           <a:p>
             <a:fld id="{96E9B245-2076-40CB-ACDE-D58775C98695}" type="datetimeFigureOut">
               <a:rPr lang="ko-KR" altLang="en-US" smtClean="0"/>
-              <a:t>2020-11-22</a:t>
+              <a:t>2020-11-27</a:t>
             </a:fld>
             <a:endParaRPr lang="ko-KR" altLang="en-US"/>
           </a:p>
@@ -865,7 +865,7 @@
           <a:p>
             <a:fld id="{96E9B245-2076-40CB-ACDE-D58775C98695}" type="datetimeFigureOut">
               <a:rPr lang="ko-KR" altLang="en-US" smtClean="0"/>
-              <a:t>2020-11-22</a:t>
+              <a:t>2020-11-27</a:t>
             </a:fld>
             <a:endParaRPr lang="ko-KR" altLang="en-US"/>
           </a:p>
@@ -1140,7 +1140,7 @@
           <a:p>
             <a:fld id="{96E9B245-2076-40CB-ACDE-D58775C98695}" type="datetimeFigureOut">
               <a:rPr lang="ko-KR" altLang="en-US" smtClean="0"/>
-              <a:t>2020-11-22</a:t>
+              <a:t>2020-11-27</a:t>
             </a:fld>
             <a:endParaRPr lang="ko-KR" altLang="en-US"/>
           </a:p>
@@ -1405,7 +1405,7 @@
           <a:p>
             <a:fld id="{96E9B245-2076-40CB-ACDE-D58775C98695}" type="datetimeFigureOut">
               <a:rPr lang="ko-KR" altLang="en-US" smtClean="0"/>
-              <a:t>2020-11-22</a:t>
+              <a:t>2020-11-27</a:t>
             </a:fld>
             <a:endParaRPr lang="ko-KR" altLang="en-US"/>
           </a:p>
@@ -1817,7 +1817,7 @@
           <a:p>
             <a:fld id="{96E9B245-2076-40CB-ACDE-D58775C98695}" type="datetimeFigureOut">
               <a:rPr lang="ko-KR" altLang="en-US" smtClean="0"/>
-              <a:t>2020-11-22</a:t>
+              <a:t>2020-11-27</a:t>
             </a:fld>
             <a:endParaRPr lang="ko-KR" altLang="en-US"/>
           </a:p>
@@ -1958,7 +1958,7 @@
           <a:p>
             <a:fld id="{96E9B245-2076-40CB-ACDE-D58775C98695}" type="datetimeFigureOut">
               <a:rPr lang="ko-KR" altLang="en-US" smtClean="0"/>
-              <a:t>2020-11-22</a:t>
+              <a:t>2020-11-27</a:t>
             </a:fld>
             <a:endParaRPr lang="ko-KR" altLang="en-US"/>
           </a:p>
@@ -2071,7 +2071,7 @@
           <a:p>
             <a:fld id="{96E9B245-2076-40CB-ACDE-D58775C98695}" type="datetimeFigureOut">
               <a:rPr lang="ko-KR" altLang="en-US" smtClean="0"/>
-              <a:t>2020-11-22</a:t>
+              <a:t>2020-11-27</a:t>
             </a:fld>
             <a:endParaRPr lang="ko-KR" altLang="en-US"/>
           </a:p>
@@ -2382,7 +2382,7 @@
           <a:p>
             <a:fld id="{96E9B245-2076-40CB-ACDE-D58775C98695}" type="datetimeFigureOut">
               <a:rPr lang="ko-KR" altLang="en-US" smtClean="0"/>
-              <a:t>2020-11-22</a:t>
+              <a:t>2020-11-27</a:t>
             </a:fld>
             <a:endParaRPr lang="ko-KR" altLang="en-US"/>
           </a:p>
@@ -2670,7 +2670,7 @@
           <a:p>
             <a:fld id="{96E9B245-2076-40CB-ACDE-D58775C98695}" type="datetimeFigureOut">
               <a:rPr lang="ko-KR" altLang="en-US" smtClean="0"/>
-              <a:t>2020-11-22</a:t>
+              <a:t>2020-11-27</a:t>
             </a:fld>
             <a:endParaRPr lang="ko-KR" altLang="en-US"/>
           </a:p>
@@ -2911,7 +2911,7 @@
           <a:p>
             <a:fld id="{96E9B245-2076-40CB-ACDE-D58775C98695}" type="datetimeFigureOut">
               <a:rPr lang="ko-KR" altLang="en-US" smtClean="0"/>
-              <a:t>2020-11-22</a:t>
+              <a:t>2020-11-27</a:t>
             </a:fld>
             <a:endParaRPr lang="ko-KR" altLang="en-US"/>
           </a:p>
@@ -3501,6 +3501,19 @@
               <a:t>:</a:t>
             </a:r>
             <a:r>
+              <a:rPr lang="ko-KR" altLang="en-US" dirty="0">
+                <a:solidFill>
+                  <a:schemeClr val="tx1">
+                    <a:lumMod val="85000"/>
+                    <a:lumOff val="15000"/>
+                  </a:schemeClr>
+                </a:solidFill>
+                <a:latin typeface="HY헤드라인M" panose="02030600000101010101" pitchFamily="18" charset="-127"/>
+                <a:ea typeface="HY헤드라인M" panose="02030600000101010101" pitchFamily="18" charset="-127"/>
+              </a:rPr>
+              <a:t>주재석</a:t>
+            </a:r>
+            <a:r>
               <a:rPr lang="en-US" altLang="ko-KR" dirty="0">
                 <a:solidFill>
                   <a:schemeClr val="tx1">
@@ -4431,7 +4444,7 @@
         </p:nvSpPr>
         <p:spPr>
           <a:xfrm>
-            <a:off x="376335" y="3429000"/>
+            <a:off x="376334" y="3344730"/>
             <a:ext cx="11439331" cy="3111760"/>
           </a:xfrm>
           <a:prstGeom prst="rect">
@@ -4487,7 +4500,7 @@
         </p:nvSpPr>
         <p:spPr>
           <a:xfrm>
-            <a:off x="376334" y="3522306"/>
+            <a:off x="456233" y="3497734"/>
             <a:ext cx="11439332" cy="338554"/>
           </a:xfrm>
           <a:prstGeom prst="rect">
@@ -4502,33 +4515,24 @@
           <a:lstStyle/>
           <a:p>
             <a:r>
+              <a:rPr lang="en-US" altLang="ko-KR" sz="1600" dirty="0">
+                <a:latin typeface="+mn-ea"/>
+              </a:rPr>
+              <a:t>.</a:t>
+            </a:r>
+            <a:r>
               <a:rPr lang="ko-KR" altLang="en-US" sz="1600" dirty="0">
-                <a:solidFill>
-                  <a:schemeClr val="bg2">
-                    <a:lumMod val="90000"/>
-                  </a:schemeClr>
-                </a:solidFill>
-                <a:latin typeface="+mn-ea"/>
-              </a:rPr>
-              <a:t>여기에 아이디어를 자유롭게 작성해보세요</a:t>
+                <a:latin typeface="+mn-ea"/>
+              </a:rPr>
+              <a:t>해달과 수달의 차이를 판별</a:t>
             </a:r>
             <a:r>
               <a:rPr lang="en-US" altLang="ko-KR" sz="1600" dirty="0">
-                <a:solidFill>
-                  <a:schemeClr val="bg2">
-                    <a:lumMod val="90000"/>
-                  </a:schemeClr>
-                </a:solidFill>
                 <a:latin typeface="+mn-ea"/>
               </a:rPr>
               <a:t>.</a:t>
             </a:r>
             <a:endParaRPr lang="ko-KR" altLang="en-US" sz="1600" dirty="0">
-              <a:solidFill>
-                <a:schemeClr val="bg2">
-                  <a:lumMod val="90000"/>
-                </a:schemeClr>
-              </a:solidFill>
               <a:latin typeface="+mn-ea"/>
             </a:endParaRPr>
           </a:p>
@@ -4691,7 +4695,87 @@
                 </a:solidFill>
                 <a:latin typeface="+mn-ea"/>
               </a:rPr>
-              <a:t>?</a:t>
+              <a:t>?Otter or</a:t>
+            </a:r>
+            <a:r>
+              <a:rPr lang="ko-KR" altLang="en-US" sz="1600" dirty="0">
+                <a:solidFill>
+                  <a:schemeClr val="tx1">
+                    <a:lumMod val="85000"/>
+                    <a:lumOff val="15000"/>
+                  </a:schemeClr>
+                </a:solidFill>
+                <a:latin typeface="+mn-ea"/>
+              </a:rPr>
+              <a:t> </a:t>
+            </a:r>
+            <a:r>
+              <a:rPr lang="en-US" altLang="ko-KR" sz="1600" dirty="0">
+                <a:solidFill>
+                  <a:schemeClr val="tx1">
+                    <a:lumMod val="85000"/>
+                    <a:lumOff val="15000"/>
+                  </a:schemeClr>
+                </a:solidFill>
+                <a:latin typeface="+mn-ea"/>
+              </a:rPr>
+              <a:t>sea otter of</a:t>
+            </a:r>
+            <a:r>
+              <a:rPr kumimoji="0" lang="ko-KR" altLang="ko-KR" sz="1600" b="0" i="0" u="none" strike="noStrike" cap="none" normalizeH="0" baseline="0" dirty="0">
+                <a:ln>
+                  <a:noFill/>
+                </a:ln>
+                <a:solidFill>
+                  <a:srgbClr val="202124"/>
+                </a:solidFill>
+                <a:effectLst/>
+                <a:latin typeface="Arial Unicode MS"/>
+                <a:ea typeface="inherit"/>
+              </a:rPr>
+              <a:t> </a:t>
+            </a:r>
+            <a:r>
+              <a:rPr kumimoji="0" lang="en-US" altLang="ko-KR" sz="1600" b="0" i="0" u="none" strike="noStrike" cap="none" normalizeH="0" baseline="0" dirty="0">
+                <a:ln>
+                  <a:noFill/>
+                </a:ln>
+                <a:solidFill>
+                  <a:srgbClr val="202124"/>
+                </a:solidFill>
+                <a:effectLst/>
+                <a:latin typeface="Arial Unicode MS"/>
+                <a:ea typeface="inherit"/>
+              </a:rPr>
+              <a:t> </a:t>
+            </a:r>
+            <a:r>
+              <a:rPr kumimoji="0" lang="ko-KR" altLang="ko-KR" sz="1600" b="0" i="0" u="none" strike="noStrike" cap="none" normalizeH="0" baseline="0" dirty="0" err="1">
+                <a:ln>
+                  <a:noFill/>
+                </a:ln>
+                <a:solidFill>
+                  <a:srgbClr val="202124"/>
+                </a:solidFill>
+                <a:effectLst/>
+                <a:latin typeface="Arial Unicode MS"/>
+                <a:ea typeface="inherit"/>
+              </a:rPr>
+              <a:t>Discriminator</a:t>
+            </a:r>
+            <a:r>
+              <a:rPr kumimoji="0" lang="en-US" altLang="ko-KR" sz="1600" b="0" i="0" u="none" strike="noStrike" cap="none" normalizeH="0" baseline="0" dirty="0">
+                <a:ln>
+                  <a:noFill/>
+                </a:ln>
+                <a:solidFill>
+                  <a:srgbClr val="202124"/>
+                </a:solidFill>
+                <a:effectLst/>
+                <a:latin typeface="Arial Unicode MS"/>
+                <a:ea typeface="inherit"/>
+              </a:rPr>
+              <a:t>.</a:t>
             </a:r>
             <a:br>
               <a:rPr lang="en-US" altLang="ko-KR" sz="1600" dirty="0">
@@ -4749,6 +4833,54 @@
                 <a:latin typeface="+mn-ea"/>
               </a:rPr>
               <a:t>생성한 모델에 대해서 설명하세요</a:t>
+            </a:r>
+            <a:r>
+              <a:rPr lang="en-US" altLang="ko-KR" sz="1600" dirty="0">
+                <a:solidFill>
+                  <a:schemeClr val="tx1">
+                    <a:lumMod val="85000"/>
+                    <a:lumOff val="15000"/>
+                  </a:schemeClr>
+                </a:solidFill>
+                <a:latin typeface="+mn-ea"/>
+              </a:rPr>
+              <a:t>. </a:t>
+            </a:r>
+            <a:r>
+              <a:rPr lang="ko-KR" altLang="en-US" sz="1600" dirty="0">
+                <a:solidFill>
+                  <a:schemeClr val="tx1">
+                    <a:lumMod val="85000"/>
+                    <a:lumOff val="15000"/>
+                  </a:schemeClr>
+                </a:solidFill>
+                <a:latin typeface="+mn-ea"/>
+              </a:rPr>
+              <a:t>수달과 해달을 보고 </a:t>
+            </a:r>
+            <a:r>
+              <a:rPr lang="ko-KR" altLang="en-US" sz="1600" dirty="0" err="1">
+                <a:solidFill>
+                  <a:schemeClr val="tx1">
+                    <a:lumMod val="85000"/>
+                    <a:lumOff val="15000"/>
+                  </a:schemeClr>
+                </a:solidFill>
+                <a:latin typeface="+mn-ea"/>
+              </a:rPr>
+              <a:t>했갈릴때</a:t>
+            </a:r>
+            <a:r>
+              <a:rPr lang="ko-KR" altLang="en-US" sz="1600" dirty="0">
+                <a:solidFill>
+                  <a:schemeClr val="tx1">
+                    <a:lumMod val="85000"/>
+                    <a:lumOff val="15000"/>
+                  </a:schemeClr>
+                </a:solidFill>
+                <a:latin typeface="+mn-ea"/>
+              </a:rPr>
+              <a:t> 사용하는 용도</a:t>
             </a:r>
             <a:r>
               <a:rPr lang="en-US" altLang="ko-KR" sz="1600" dirty="0">
@@ -4971,7 +5103,7 @@
                 </a:solidFill>
                 <a:latin typeface="+mn-ea"/>
               </a:rPr>
-              <a:t>: https://</a:t>
+              <a:t>: https://wnwotjr09.github.io/template/</a:t>
             </a:r>
             <a:endParaRPr lang="ko-KR" altLang="en-US" sz="2000" dirty="0">
               <a:solidFill>
